--- a/requirements/caArray_250_Vision.pptx
+++ b/requirements/caArray_250_Vision.pptx
@@ -234,7 +234,7 @@
             <a:fld id="{19C1E9F1-3EC1-6444-B428-4F8E6DCDED3B}" type="datetimeFigureOut">
               <a:rPr lang="en-US" smtClean="0"/>
               <a:pPr/>
-              <a:t>10/4/10</a:t>
+              <a:t>10/11/10</a:t>
             </a:fld>
             <a:endParaRPr lang="en-US"/>
           </a:p>
@@ -3987,48 +3987,19 @@
               <a:rPr lang="en-US" sz="2400" dirty="0" smtClean="0"/>
               <a:t>The scope of caArray 2.5.0 is being driven by…</a:t>
             </a:r>
-            <a:endParaRPr lang="en-US" sz="2400" dirty="0" smtClean="0"/>
           </a:p>
           <a:p>
             <a:pPr lvl="1" eaLnBrk="1" hangingPunct="1"/>
             <a:r>
               <a:rPr lang="en-US" sz="1600" dirty="0" smtClean="0"/>
-              <a:t>a user </a:t>
-            </a:r>
+              <a:t>a user community need to support new assay types especially next gen sequencing</a:t>
+            </a:r>
+          </a:p>
+          <a:p>
+            <a:pPr lvl="1" eaLnBrk="1" hangingPunct="1"/>
             <a:r>
               <a:rPr lang="en-US" sz="1600" dirty="0" smtClean="0"/>
-              <a:t>community </a:t>
-            </a:r>
-            <a:r>
-              <a:rPr lang="en-US" sz="1600" dirty="0" smtClean="0"/>
-              <a:t>need </a:t>
-            </a:r>
-            <a:r>
-              <a:rPr lang="en-US" sz="1600" dirty="0" smtClean="0"/>
-              <a:t>to support new assay types especially</a:t>
-            </a:r>
-            <a:r>
-              <a:rPr lang="en-US" sz="1600" dirty="0" smtClean="0"/>
-              <a:t> next gen </a:t>
-            </a:r>
-            <a:r>
-              <a:rPr lang="en-US" sz="1600" dirty="0" smtClean="0"/>
-              <a:t>sequencing</a:t>
-            </a:r>
-          </a:p>
-          <a:p>
-            <a:pPr lvl="1" eaLnBrk="1" hangingPunct="1"/>
-            <a:r>
-              <a:rPr lang="en-US" sz="1600" dirty="0" smtClean="0"/>
-              <a:t>the</a:t>
-            </a:r>
-            <a:r>
-              <a:rPr lang="en-US" sz="1600" dirty="0" smtClean="0"/>
-              <a:t> need to </a:t>
-            </a:r>
-            <a:r>
-              <a:rPr lang="en-US" sz="1600" dirty="0" smtClean="0"/>
-              <a:t>scale to higher volumes of data</a:t>
+              <a:t>the need to scale to higher volumes of data</a:t>
             </a:r>
           </a:p>
           <a:p>
@@ -4042,49 +4013,21 @@
             <a:pPr lvl="1" eaLnBrk="1" hangingPunct="1"/>
             <a:r>
               <a:rPr lang="en-US" sz="1600" dirty="0" smtClean="0"/>
-              <a:t>the user community’s desire to </a:t>
-            </a:r>
+              <a:t>the user community’s desire to better-manage user roles and collaboration groups</a:t>
+            </a:r>
+          </a:p>
+          <a:p>
+            <a:pPr lvl="1" eaLnBrk="1" hangingPunct="1"/>
             <a:r>
               <a:rPr lang="en-US" sz="1600" dirty="0" smtClean="0"/>
-              <a:t>better-manage </a:t>
-            </a:r>
+              <a:t>the NCI CBIIT infrastructure requirements for Grid security; and</a:t>
+            </a:r>
+          </a:p>
+          <a:p>
+            <a:pPr lvl="1" eaLnBrk="1" hangingPunct="1"/>
             <a:r>
               <a:rPr lang="en-US" sz="1600" dirty="0" smtClean="0"/>
-              <a:t>user roles and collaboration groups</a:t>
-            </a:r>
-          </a:p>
-          <a:p>
-            <a:pPr lvl="1" eaLnBrk="1" hangingPunct="1"/>
-            <a:r>
-              <a:rPr lang="en-US" sz="1600" dirty="0" smtClean="0"/>
-              <a:t>the NCI CBIIT infrastructure requirements for Grid </a:t>
-            </a:r>
-            <a:r>
-              <a:rPr lang="en-US" sz="1600" dirty="0" smtClean="0"/>
-              <a:t>security; </a:t>
-            </a:r>
-            <a:r>
-              <a:rPr lang="en-US" sz="1600" dirty="0" smtClean="0"/>
-              <a:t>and</a:t>
-            </a:r>
-          </a:p>
-          <a:p>
-            <a:pPr lvl="1" eaLnBrk="1" hangingPunct="1"/>
-            <a:r>
-              <a:rPr lang="en-US" sz="1600" dirty="0" smtClean="0"/>
-              <a:t>the need to</a:t>
-            </a:r>
-            <a:r>
-              <a:rPr lang="en-US" sz="1600" dirty="0" smtClean="0"/>
-              <a:t> update the </a:t>
-            </a:r>
-            <a:r>
-              <a:rPr lang="en-US" sz="1600" dirty="0" smtClean="0"/>
-              <a:t>technologies used by </a:t>
-            </a:r>
-            <a:r>
-              <a:rPr lang="en-US" sz="1600" dirty="0" smtClean="0"/>
-              <a:t>caArray</a:t>
+              <a:t>the need to update the technologies used by caArray</a:t>
             </a:r>
             <a:endParaRPr lang="en-US" sz="1400" dirty="0" smtClean="0">
               <a:ea typeface="ＭＳ Ｐゴシック" charset="-128"/>
@@ -4175,45 +4118,12 @@
               <a:rPr lang="en-US" dirty="0" smtClean="0"/>
               <a:t>Needs</a:t>
             </a:r>
-            <a:endParaRPr lang="en-US" dirty="0" smtClean="0"/>
           </a:p>
           <a:p>
             <a:pPr lvl="1"/>
             <a:r>
               <a:rPr lang="en-US" dirty="0" smtClean="0"/>
-              <a:t>Technologies </a:t>
-            </a:r>
-            <a:r>
-              <a:rPr lang="en-US" dirty="0" smtClean="0"/>
-              <a:t>like next generation sequencing are</a:t>
-            </a:r>
-            <a:r>
-              <a:rPr lang="en-US" dirty="0" smtClean="0"/>
-              <a:t> becoming </a:t>
-            </a:r>
-            <a:r>
-              <a:rPr lang="en-US" dirty="0" smtClean="0"/>
-              <a:t>widely </a:t>
-            </a:r>
-            <a:r>
-              <a:rPr lang="en-US" dirty="0" smtClean="0"/>
-              <a:t>used </a:t>
-            </a:r>
-            <a:r>
-              <a:rPr lang="en-US" dirty="0" smtClean="0"/>
-              <a:t>in the user community that caArray seeks to serve,</a:t>
-            </a:r>
-            <a:r>
-              <a:rPr lang="en-US" dirty="0" smtClean="0"/>
-              <a:t> as investigators </a:t>
-            </a:r>
-            <a:r>
-              <a:rPr lang="en-US" dirty="0" smtClean="0"/>
-              <a:t>move from microarray experiments to</a:t>
-            </a:r>
-            <a:r>
-              <a:rPr lang="en-US" dirty="0" smtClean="0"/>
-              <a:t> newer assay types.</a:t>
+              <a:t>Technologies like next generation sequencing are becoming widely used in the user community that caArray seeks to serve, as investigators move from microarray experiments to newer assay types.</a:t>
             </a:r>
           </a:p>
           <a:p>
@@ -4229,7 +4139,15 @@
             <a:pPr lvl="1"/>
             <a:r>
               <a:rPr lang="en-US" dirty="0" smtClean="0"/>
-              <a:t>Support the new MAGE-TAB v1.1 SDRF columns (Assay Type and Technology Type) that allow specification of non-microarray assay types.</a:t>
+              <a:t>Support the new MAGE-TAB v1.1 SDRF columns (Assay</a:t>
+            </a:r>
+            <a:r>
+              <a:rPr lang="en-US" dirty="0" smtClean="0"/>
+              <a:t> Name </a:t>
+            </a:r>
+            <a:r>
+              <a:rPr lang="en-US" dirty="0" smtClean="0"/>
+              <a:t>and Technology Type) that allow specification of non-microarray assay types.</a:t>
             </a:r>
           </a:p>
           <a:p>
@@ -4244,8 +4162,13 @@
             </a:r>
             <a:r>
               <a:rPr lang="en-US" dirty="0" smtClean="0"/>
-              <a:t> and BAM/SAM files, possibly as links to accessioned files in an external repository like the NCBI Short Read Archive. </a:t>
-            </a:r>
+              <a:t> and BAM/SAM files, possibly as links to accessioned files in an external repository like the NCBI Short Read </a:t>
+            </a:r>
+            <a:r>
+              <a:rPr lang="en-US" dirty="0" smtClean="0"/>
+              <a:t>Archive (SRA). </a:t>
+            </a:r>
+            <a:endParaRPr lang="en-US" dirty="0" smtClean="0"/>
           </a:p>
         </p:txBody>
       </p:sp>
@@ -4322,7 +4245,6 @@
               <a:rPr lang="en-US" dirty="0" smtClean="0"/>
               <a:t>Priority: High</a:t>
             </a:r>
-            <a:endParaRPr lang="en-US" dirty="0" smtClean="0"/>
           </a:p>
           <a:p>
             <a:endParaRPr lang="en-US" dirty="0" smtClean="0"/>
@@ -4345,28 +4267,14 @@
             </a:r>
             <a:r>
               <a:rPr lang="en-US" dirty="0" smtClean="0"/>
-              <a:t> per month.</a:t>
-            </a:r>
-            <a:r>
-              <a:rPr lang="en-US" dirty="0" smtClean="0"/>
-              <a:t> Not all of this will be stored in caArray, but the storage architecture must </a:t>
-            </a:r>
-            <a:r>
-              <a:rPr lang="en-US" dirty="0" smtClean="0"/>
-              <a:t>be</a:t>
-            </a:r>
-            <a:r>
-              <a:rPr lang="en-US" dirty="0" smtClean="0"/>
-              <a:t> updated nevertheless.</a:t>
-            </a:r>
-            <a:endParaRPr lang="en-US" dirty="0" smtClean="0"/>
+              <a:t> per month. Not all of this will be stored in caArray, but the storage architecture must be updated nevertheless.</a:t>
+            </a:r>
           </a:p>
           <a:p>
             <a:r>
               <a:rPr lang="en-US" dirty="0" smtClean="0"/>
               <a:t>Features</a:t>
             </a:r>
-            <a:endParaRPr lang="en-US" dirty="0" smtClean="0"/>
           </a:p>
           <a:p>
             <a:pPr lvl="1"/>
@@ -4379,13 +4287,8 @@
             <a:pPr lvl="1"/>
             <a:r>
               <a:rPr lang="en-US" dirty="0" smtClean="0"/>
-              <a:t>Support cloud storage of data files, allowing a local installer to configure </a:t>
-            </a:r>
-            <a:r>
-              <a:rPr lang="en-US" dirty="0" smtClean="0"/>
-              <a:t>this.</a:t>
-            </a:r>
-            <a:endParaRPr lang="en-US" dirty="0" smtClean="0"/>
+              <a:t>Support cloud storage of data files, allowing a local installer to configure this.</a:t>
+            </a:r>
           </a:p>
           <a:p>
             <a:pPr lvl="1"/>
@@ -4461,13 +4364,8 @@
           <a:p>
             <a:r>
               <a:rPr lang="en-US" dirty="0" smtClean="0"/>
-              <a:t>Upload/Import/Download of large data </a:t>
-            </a:r>
-            <a:r>
-              <a:rPr lang="en-US" dirty="0" smtClean="0"/>
-              <a:t>sets</a:t>
-            </a:r>
-            <a:endParaRPr lang="en-US" dirty="0" smtClean="0"/>
+              <a:t>Upload/Import/Download of large data sets</a:t>
+            </a:r>
           </a:p>
         </p:txBody>
       </p:sp>
@@ -4490,7 +4388,6 @@
               <a:rPr lang="en-US" dirty="0" smtClean="0"/>
               <a:t>Priority: High</a:t>
             </a:r>
-            <a:endParaRPr lang="en-US" dirty="0" smtClean="0"/>
           </a:p>
           <a:p>
             <a:endParaRPr lang="en-US" dirty="0" smtClean="0"/>
@@ -4505,25 +4402,8 @@
             <a:pPr lvl="1"/>
             <a:r>
               <a:rPr lang="en-US" dirty="0" smtClean="0"/>
-              <a:t>Current limitations </a:t>
-            </a:r>
-            <a:r>
-              <a:rPr lang="en-US" dirty="0" smtClean="0"/>
-              <a:t>in the user experience during upload, import and download</a:t>
-            </a:r>
-            <a:r>
-              <a:rPr lang="en-US" dirty="0" smtClean="0"/>
-              <a:t> create a need for an easy way to </a:t>
-            </a:r>
-            <a:r>
-              <a:rPr lang="en-US" dirty="0" smtClean="0"/>
-              <a:t>perform these tasks without a lot of manual effort to “chunk” large data </a:t>
-            </a:r>
-            <a:r>
-              <a:rPr lang="en-US" dirty="0" smtClean="0"/>
-              <a:t>sets.</a:t>
-            </a:r>
-            <a:endParaRPr lang="en-US" dirty="0" smtClean="0"/>
+              <a:t>Current limitations in the user experience during upload, import and download create a need for an easy way to perform these tasks without a lot of manual effort to “chunk” large data sets.</a:t>
+            </a:r>
           </a:p>
           <a:p>
             <a:endParaRPr lang="en-US" dirty="0" smtClean="0"/>
@@ -4546,30 +4426,14 @@
             </a:r>
             <a:r>
               <a:rPr lang="en-US" dirty="0" smtClean="0"/>
-              <a:t> downloads and transparent </a:t>
-            </a:r>
+              <a:t> downloads and transparent compression.</a:t>
+            </a:r>
+          </a:p>
+          <a:p>
+            <a:pPr lvl="1"/>
             <a:r>
               <a:rPr lang="en-US" dirty="0" smtClean="0"/>
-              <a:t>compression</a:t>
-            </a:r>
-            <a:r>
-              <a:rPr lang="en-US" dirty="0" smtClean="0"/>
-              <a:t>.</a:t>
-            </a:r>
-          </a:p>
-          <a:p>
-            <a:pPr lvl="1"/>
-            <a:r>
-              <a:rPr lang="en-US" dirty="0" smtClean="0"/>
-              <a:t>[See parsed data storage options</a:t>
-            </a:r>
-            <a:r>
-              <a:rPr lang="en-US" dirty="0" smtClean="0"/>
-              <a:t> on the previous slide, </a:t>
-            </a:r>
-            <a:r>
-              <a:rPr lang="en-US" dirty="0" smtClean="0"/>
-              <a:t>for ways to eliminate the current 4GB import limit imposed by </a:t>
+              <a:t>[See parsed data storage options on the previous slide, for ways to eliminate the current 4GB import limit imposed by </a:t>
             </a:r>
             <a:r>
               <a:rPr lang="en-US" dirty="0" err="1" smtClean="0"/>
@@ -4577,28 +4441,15 @@
             </a:r>
             <a:r>
               <a:rPr lang="en-US" dirty="0" smtClean="0"/>
-              <a:t>.</a:t>
-            </a:r>
+              <a:t>.]</a:t>
+            </a:r>
+          </a:p>
+          <a:p>
+            <a:pPr lvl="1"/>
             <a:r>
               <a:rPr lang="en-US" dirty="0" smtClean="0"/>
-              <a:t>]</a:t>
-            </a:r>
-          </a:p>
-          <a:p>
-            <a:pPr lvl="1"/>
-            <a:r>
-              <a:rPr lang="en-US" dirty="0" smtClean="0"/>
-              <a:t>Add better Import Queue management, including the ability to see the position of your import in the queue and the ability to cancel an </a:t>
-            </a:r>
-            <a:r>
-              <a:rPr lang="en-US" dirty="0" smtClean="0"/>
-              <a:t>import</a:t>
-            </a:r>
-            <a:r>
-              <a:rPr lang="en-US" dirty="0" smtClean="0"/>
-              <a:t>. </a:t>
-            </a:r>
-            <a:endParaRPr lang="en-US" dirty="0" smtClean="0"/>
+              <a:t>Add better Import Queue management, including the ability to see the position of your import in the queue and the ability to cancel an import. </a:t>
+            </a:r>
           </a:p>
         </p:txBody>
       </p:sp>
@@ -4653,7 +4504,6 @@
               <a:rPr lang="en-US" dirty="0" smtClean="0"/>
               <a:t>User roles/privileges, collaboration groups</a:t>
             </a:r>
-            <a:endParaRPr lang="en-US" dirty="0" smtClean="0"/>
           </a:p>
         </p:txBody>
       </p:sp>
@@ -4674,11 +4524,7 @@
           <a:p>
             <a:r>
               <a:rPr lang="en-US" dirty="0" smtClean="0"/>
-              <a:t>Priority:</a:t>
-            </a:r>
-            <a:r>
-              <a:rPr lang="en-US" dirty="0" smtClean="0"/>
-              <a:t> Medium</a:t>
+              <a:t>Priority: Medium</a:t>
             </a:r>
           </a:p>
           <a:p>
@@ -4694,52 +4540,15 @@
             <a:pPr lvl="1"/>
             <a:r>
               <a:rPr lang="en-US" dirty="0" smtClean="0"/>
-              <a:t>User community feedback has </a:t>
-            </a:r>
+              <a:t>User community feedback has revealed that they would like to be able to provision different user roles in order to control access to subsets of data and/or features in the application.</a:t>
+            </a:r>
+          </a:p>
+          <a:p>
+            <a:pPr lvl="1"/>
             <a:r>
               <a:rPr lang="en-US" dirty="0" smtClean="0"/>
-              <a:t>revealed that</a:t>
-            </a:r>
-            <a:r>
-              <a:rPr lang="en-US" dirty="0" smtClean="0"/>
-              <a:t> they would like to be able to provision different user roles in order to control </a:t>
-            </a:r>
-            <a:r>
-              <a:rPr lang="en-US" dirty="0" smtClean="0"/>
-              <a:t>access to</a:t>
-            </a:r>
-            <a:r>
-              <a:rPr lang="en-US" dirty="0" smtClean="0"/>
-              <a:t> subsets of data </a:t>
-            </a:r>
-            <a:r>
-              <a:rPr lang="en-US" dirty="0" smtClean="0"/>
-              <a:t>and/or features in the application</a:t>
-            </a:r>
-            <a:r>
-              <a:rPr lang="en-US" dirty="0" smtClean="0"/>
-              <a:t>.</a:t>
-            </a:r>
-          </a:p>
-          <a:p>
-            <a:pPr lvl="1"/>
-            <a:r>
-              <a:rPr lang="en-US" dirty="0" smtClean="0"/>
-              <a:t>T</a:t>
-            </a:r>
-            <a:r>
-              <a:rPr lang="en-US" dirty="0" smtClean="0"/>
-              <a:t>here </a:t>
-            </a:r>
-            <a:r>
-              <a:rPr lang="en-US" dirty="0" smtClean="0"/>
-              <a:t>are known problems with visibility of files to collaboration </a:t>
-            </a:r>
-            <a:r>
-              <a:rPr lang="en-US" dirty="0" smtClean="0"/>
-              <a:t>groups.</a:t>
-            </a:r>
-            <a:endParaRPr lang="en-US" dirty="0" smtClean="0"/>
+              <a:t>There are known problems with visibility of files to collaboration groups.</a:t>
+            </a:r>
           </a:p>
           <a:p>
             <a:endParaRPr lang="en-US" dirty="0" smtClean="0"/>
@@ -4754,19 +4563,7 @@
             <a:pPr lvl="1"/>
             <a:r>
               <a:rPr lang="en-US" dirty="0" smtClean="0"/>
-              <a:t>Gather requirements around what user roles and privileges are needed, and what portions of the</a:t>
-            </a:r>
-            <a:r>
-              <a:rPr lang="en-US" dirty="0" smtClean="0"/>
-              <a:t> application/</a:t>
-            </a:r>
-            <a:r>
-              <a:rPr lang="en-US" dirty="0" smtClean="0"/>
-              <a:t>data need to be restricted based on </a:t>
-            </a:r>
-            <a:r>
-              <a:rPr lang="en-US" dirty="0" smtClean="0"/>
-              <a:t>role.</a:t>
+              <a:t>Gather requirements around what user roles and privileges are needed, and what portions of the application/data need to be restricted based on role.</a:t>
             </a:r>
           </a:p>
           <a:p>
@@ -4781,21 +4578,8 @@
             </a:r>
             <a:r>
               <a:rPr lang="en-US" dirty="0" smtClean="0"/>
-              <a:t> #14630 would ensure that collaborators with the appropriate privileges would have</a:t>
-            </a:r>
-            <a:r>
-              <a:rPr lang="en-US" dirty="0" smtClean="0"/>
-              <a:t> access </a:t>
-            </a:r>
-            <a:r>
-              <a:rPr lang="en-US" dirty="0" smtClean="0"/>
-              <a:t>to uploaded-but-not-yet-imported </a:t>
-            </a:r>
-            <a:r>
-              <a:rPr lang="en-US" dirty="0" smtClean="0"/>
-              <a:t>files.</a:t>
-            </a:r>
-            <a:endParaRPr lang="en-US" dirty="0" smtClean="0"/>
+              <a:t> #14630 would ensure that collaborators with the appropriate privileges would have access to uploaded-but-not-yet-imported files.</a:t>
+            </a:r>
           </a:p>
         </p:txBody>
       </p:sp>
@@ -4887,13 +4671,8 @@
             <a:pPr lvl="1"/>
             <a:r>
               <a:rPr lang="en-US" dirty="0" smtClean="0"/>
-              <a:t>I</a:t>
-            </a:r>
-            <a:r>
-              <a:rPr lang="en-US" dirty="0" smtClean="0"/>
-              <a:t>nvokers of the caArray programmatic Grid APIs (e.g., analysis applications like geWorkbench and GenePattern) are restricted to public data, because the Grid APIs do not support Grid security. Supporting Grid user login is essential to meet the NCI CBIIT infrastructure requirements.</a:t>
-            </a:r>
-            <a:endParaRPr lang="en-US" dirty="0" smtClean="0"/>
+              <a:t>Invokers of the caArray programmatic Grid APIs (e.g., analysis applications like geWorkbench and GenePattern) are restricted to public data, because the Grid APIs do not support Grid security. Supporting Grid user login is essential to meet the NCI CBIIT infrastructure requirements.</a:t>
+            </a:r>
           </a:p>
           <a:p>
             <a:r>
@@ -4905,17 +4684,8 @@
             <a:pPr lvl="1"/>
             <a:r>
               <a:rPr lang="en-US" dirty="0" smtClean="0"/>
-              <a:t>Design a Grid security enabled application and API. Components would include migration of current user accounts to Grid accounts using CGMM, allowing local installers to configure their preference for Grid security versus local security, and implementing Grid authentication in the remote Java (EJB) </a:t>
-            </a:r>
-            <a:r>
-              <a:rPr lang="en-US" dirty="0" smtClean="0"/>
-              <a:t>API</a:t>
-            </a:r>
-            <a:r>
-              <a:rPr lang="en-US" dirty="0" smtClean="0"/>
-              <a:t>. </a:t>
-            </a:r>
-            <a:endParaRPr lang="en-US" dirty="0" smtClean="0"/>
+              <a:t>Design a Grid security enabled application and API. Components would include migration of current user accounts to Grid accounts using CGMM, allowing local installers to configure their preference for Grid security versus local security, and implementing Grid authentication in the remote Java (EJB) API. </a:t>
+            </a:r>
           </a:p>
         </p:txBody>
       </p:sp>
@@ -5007,17 +4777,8 @@
             <a:pPr lvl="1"/>
             <a:r>
               <a:rPr lang="en-US" dirty="0" smtClean="0"/>
-              <a:t>Several </a:t>
-            </a:r>
-            <a:r>
-              <a:rPr lang="en-US" dirty="0" smtClean="0"/>
-              <a:t>of the technologies used by caArray are becoming dated, and there is an urgent need to upgrade </a:t>
-            </a:r>
-            <a:r>
-              <a:rPr lang="en-US" dirty="0" smtClean="0"/>
-              <a:t>them.</a:t>
-            </a:r>
-            <a:endParaRPr lang="en-US" dirty="0" smtClean="0"/>
+              <a:t>Several of the technologies used by caArray are becoming dated, and there is an urgent need to upgrade them.</a:t>
+            </a:r>
           </a:p>
           <a:p>
             <a:endParaRPr lang="en-US" dirty="0" smtClean="0"/>
@@ -5071,7 +4832,6 @@
               <a:rPr lang="en-US" dirty="0" smtClean="0"/>
               <a:t>Upgrade to BDA 1.7</a:t>
             </a:r>
-            <a:endParaRPr lang="en-US" dirty="0" smtClean="0"/>
           </a:p>
         </p:txBody>
       </p:sp>
@@ -5129,9 +4889,6 @@
               </a:rPr>
               <a:t>2.5.0 on the wiki</a:t>
             </a:r>
-            <a:endParaRPr lang="en-US" dirty="0" smtClean="0">
-              <a:ea typeface="ＭＳ Ｐゴシック" charset="-128"/>
-            </a:endParaRPr>
           </a:p>
         </p:txBody>
       </p:sp>
